--- a/ppt/算法讲解172【挺难】分块专题1-块状数组、块状链表.pptx
+++ b/ppt/算法讲解172【挺难】分块专题1-块状数组、块状链表.pptx
@@ -4026,7 +4026,7 @@
               </a:defRPr>
             </a:pPr>
             <a:r>
-              <a:t>专题2：分块的更多经典题目，讲解173</a:t>
+              <a:t>专题2：分块的几道好题、树上分块，讲解173</a:t>
             </a:r>
           </a:p>
           <a:p>
@@ -4055,7 +4055,7 @@
               </a:defRPr>
             </a:pPr>
             <a:r>
-              <a:t>专题3：树上分块、分块套树、分块和并查集，讲解174</a:t>
+              <a:t>专题3：双层分块、分块结合并查集，讲解174</a:t>
             </a:r>
           </a:p>
           <a:p>
